--- a/5_Webapp.pptx
+++ b/5_Webapp.pptx
@@ -5,7 +5,7 @@
     <p:sldMasterId id="2147483660" r:id="rId1"/>
   </p:sldMasterIdLst>
   <p:notesMasterIdLst>
-    <p:notesMasterId r:id="rId84"/>
+    <p:notesMasterId r:id="rId85"/>
   </p:notesMasterIdLst>
   <p:sldIdLst>
     <p:sldId id="256" r:id="rId2"/>
@@ -90,6 +90,7 @@
     <p:sldId id="344" r:id="rId81"/>
     <p:sldId id="345" r:id="rId82"/>
     <p:sldId id="346" r:id="rId83"/>
+    <p:sldId id="347" r:id="rId84"/>
   </p:sldIdLst>
   <p:sldSz cx="9144000" cy="6858000" type="screen4x3"/>
   <p:notesSz cx="6858000" cy="9144000"/>
@@ -16672,7 +16673,7 @@
           <a:p>
             <a:fld id="{8376EFC9-803F-4409-848A-761DF59DAB18}" type="datetimeFigureOut">
               <a:rPr lang="zh-TW" altLang="en-US" smtClean="0"/>
-              <a:t>2015/11/15</a:t>
+              <a:t>2015/11/16</a:t>
             </a:fld>
             <a:endParaRPr lang="zh-TW" altLang="en-US"/>
           </a:p>
@@ -20051,7 +20052,7 @@
           <a:p>
             <a:fld id="{32754C9E-1658-4B13-BA77-A45BD6A53271}" type="datetimeFigureOut">
               <a:rPr lang="zh-TW" altLang="en-US" smtClean="0"/>
-              <a:t>2015/11/15</a:t>
+              <a:t>2015/11/16</a:t>
             </a:fld>
             <a:endParaRPr lang="zh-TW" altLang="en-US"/>
           </a:p>
@@ -20375,7 +20376,7 @@
           <a:p>
             <a:fld id="{32754C9E-1658-4B13-BA77-A45BD6A53271}" type="datetimeFigureOut">
               <a:rPr lang="zh-TW" altLang="en-US" smtClean="0"/>
-              <a:t>2015/11/15</a:t>
+              <a:t>2015/11/16</a:t>
             </a:fld>
             <a:endParaRPr lang="zh-TW" altLang="en-US"/>
           </a:p>
@@ -20623,7 +20624,7 @@
           <a:p>
             <a:fld id="{32754C9E-1658-4B13-BA77-A45BD6A53271}" type="datetimeFigureOut">
               <a:rPr lang="zh-TW" altLang="en-US" smtClean="0"/>
-              <a:t>2015/11/15</a:t>
+              <a:t>2015/11/16</a:t>
             </a:fld>
             <a:endParaRPr lang="zh-TW" altLang="en-US"/>
           </a:p>
@@ -20962,7 +20963,7 @@
           <a:p>
             <a:fld id="{32754C9E-1658-4B13-BA77-A45BD6A53271}" type="datetimeFigureOut">
               <a:rPr lang="zh-TW" altLang="en-US" smtClean="0"/>
-              <a:t>2015/11/15</a:t>
+              <a:t>2015/11/16</a:t>
             </a:fld>
             <a:endParaRPr lang="zh-TW" altLang="en-US"/>
           </a:p>
@@ -21309,7 +21310,7 @@
           <a:p>
             <a:fld id="{32754C9E-1658-4B13-BA77-A45BD6A53271}" type="datetimeFigureOut">
               <a:rPr lang="zh-TW" altLang="en-US" smtClean="0"/>
-              <a:t>2015/11/15</a:t>
+              <a:t>2015/11/16</a:t>
             </a:fld>
             <a:endParaRPr lang="zh-TW" altLang="en-US"/>
           </a:p>
@@ -21683,7 +21684,7 @@
           <a:p>
             <a:fld id="{32754C9E-1658-4B13-BA77-A45BD6A53271}" type="datetimeFigureOut">
               <a:rPr lang="zh-TW" altLang="en-US" smtClean="0"/>
-              <a:t>2015/11/15</a:t>
+              <a:t>2015/11/16</a:t>
             </a:fld>
             <a:endParaRPr lang="zh-TW" altLang="en-US"/>
           </a:p>
@@ -22153,7 +22154,7 @@
           <a:p>
             <a:fld id="{32754C9E-1658-4B13-BA77-A45BD6A53271}" type="datetimeFigureOut">
               <a:rPr lang="zh-TW" altLang="en-US" smtClean="0"/>
-              <a:t>2015/11/15</a:t>
+              <a:t>2015/11/16</a:t>
             </a:fld>
             <a:endParaRPr lang="zh-TW" altLang="en-US"/>
           </a:p>
@@ -22363,7 +22364,7 @@
           <a:p>
             <a:fld id="{32754C9E-1658-4B13-BA77-A45BD6A53271}" type="datetimeFigureOut">
               <a:rPr lang="zh-TW" altLang="en-US" smtClean="0"/>
-              <a:t>2015/11/15</a:t>
+              <a:t>2015/11/16</a:t>
             </a:fld>
             <a:endParaRPr lang="zh-TW" altLang="en-US"/>
           </a:p>
@@ -22574,7 +22575,7 @@
           <a:p>
             <a:fld id="{32754C9E-1658-4B13-BA77-A45BD6A53271}" type="datetimeFigureOut">
               <a:rPr lang="zh-TW" altLang="en-US" smtClean="0"/>
-              <a:t>2015/11/15</a:t>
+              <a:t>2015/11/16</a:t>
             </a:fld>
             <a:endParaRPr lang="zh-TW" altLang="en-US"/>
           </a:p>
@@ -22806,7 +22807,7 @@
           <a:p>
             <a:fld id="{32754C9E-1658-4B13-BA77-A45BD6A53271}" type="datetimeFigureOut">
               <a:rPr lang="zh-TW" altLang="en-US" smtClean="0"/>
-              <a:t>2015/11/15</a:t>
+              <a:t>2015/11/16</a:t>
             </a:fld>
             <a:endParaRPr lang="zh-TW" altLang="en-US"/>
           </a:p>
@@ -23054,7 +23055,7 @@
           <a:p>
             <a:fld id="{32754C9E-1658-4B13-BA77-A45BD6A53271}" type="datetimeFigureOut">
               <a:rPr lang="zh-TW" altLang="en-US" smtClean="0"/>
-              <a:t>2015/11/15</a:t>
+              <a:t>2015/11/16</a:t>
             </a:fld>
             <a:endParaRPr lang="zh-TW" altLang="en-US"/>
           </a:p>
@@ -23357,7 +23358,7 @@
           <a:p>
             <a:fld id="{32754C9E-1658-4B13-BA77-A45BD6A53271}" type="datetimeFigureOut">
               <a:rPr lang="zh-TW" altLang="en-US" smtClean="0"/>
-              <a:t>2015/11/15</a:t>
+              <a:t>2015/11/16</a:t>
             </a:fld>
             <a:endParaRPr lang="zh-TW" altLang="en-US"/>
           </a:p>
@@ -23739,7 +23740,7 @@
           <a:p>
             <a:fld id="{32754C9E-1658-4B13-BA77-A45BD6A53271}" type="datetimeFigureOut">
               <a:rPr lang="zh-TW" altLang="en-US" smtClean="0"/>
-              <a:t>2015/11/15</a:t>
+              <a:t>2015/11/16</a:t>
             </a:fld>
             <a:endParaRPr lang="zh-TW" altLang="en-US"/>
           </a:p>
@@ -23893,7 +23894,7 @@
           <a:p>
             <a:fld id="{32754C9E-1658-4B13-BA77-A45BD6A53271}" type="datetimeFigureOut">
               <a:rPr lang="zh-TW" altLang="en-US" smtClean="0"/>
-              <a:t>2015/11/15</a:t>
+              <a:t>2015/11/16</a:t>
             </a:fld>
             <a:endParaRPr lang="zh-TW" altLang="en-US"/>
           </a:p>
@@ -24019,7 +24020,7 @@
           <a:p>
             <a:fld id="{32754C9E-1658-4B13-BA77-A45BD6A53271}" type="datetimeFigureOut">
               <a:rPr lang="zh-TW" altLang="en-US" smtClean="0"/>
-              <a:t>2015/11/15</a:t>
+              <a:t>2015/11/16</a:t>
             </a:fld>
             <a:endParaRPr lang="zh-TW" altLang="en-US"/>
           </a:p>
@@ -24274,7 +24275,7 @@
           <a:p>
             <a:fld id="{32754C9E-1658-4B13-BA77-A45BD6A53271}" type="datetimeFigureOut">
               <a:rPr lang="zh-TW" altLang="en-US" smtClean="0"/>
-              <a:t>2015/11/15</a:t>
+              <a:t>2015/11/16</a:t>
             </a:fld>
             <a:endParaRPr lang="zh-TW" altLang="en-US"/>
           </a:p>
@@ -24588,7 +24589,7 @@
           <a:p>
             <a:fld id="{32754C9E-1658-4B13-BA77-A45BD6A53271}" type="datetimeFigureOut">
               <a:rPr lang="zh-TW" altLang="en-US" smtClean="0"/>
-              <a:t>2015/11/15</a:t>
+              <a:t>2015/11/16</a:t>
             </a:fld>
             <a:endParaRPr lang="zh-TW" altLang="en-US"/>
           </a:p>
@@ -24939,7 +24940,7 @@
           <a:p>
             <a:fld id="{32754C9E-1658-4B13-BA77-A45BD6A53271}" type="datetimeFigureOut">
               <a:rPr lang="zh-TW" altLang="en-US" smtClean="0"/>
-              <a:t>2015/11/15</a:t>
+              <a:t>2015/11/16</a:t>
             </a:fld>
             <a:endParaRPr lang="zh-TW" altLang="en-US"/>
           </a:p>
@@ -34676,7 +34677,7 @@
         </p:spPr>
         <p:txBody>
           <a:bodyPr>
-            <a:normAutofit lnSpcReduction="10000"/>
+            <a:normAutofit/>
           </a:bodyPr>
           <a:lstStyle/>
           <a:p>
@@ -34705,21 +34706,22 @@
             </a:r>
             <a:r>
               <a:rPr lang="zh-TW" altLang="en-US" dirty="0" smtClean="0"/>
-              <a:t>來顯示結果，</a:t>
+              <a:t>來顯示結果</a:t>
+            </a:r>
+            <a:r>
+              <a:rPr lang="zh-TW" altLang="en-US" dirty="0" smtClean="0"/>
+              <a:t>，</a:t>
             </a:r>
             <a:endParaRPr lang="en-US" altLang="zh-TW" dirty="0" smtClean="0"/>
           </a:p>
           <a:p>
             <a:r>
               <a:rPr lang="zh-TW" altLang="en-US" dirty="0" smtClean="0"/>
-              <a:t>檢查表單輸入值，</a:t>
-            </a:r>
-            <a:endParaRPr lang="en-US" altLang="zh-TW" dirty="0" smtClean="0"/>
-          </a:p>
-          <a:p>
+              <a:t>並</a:t>
+            </a:r>
             <a:r>
               <a:rPr lang="zh-TW" altLang="en-US" dirty="0" smtClean="0"/>
-              <a:t>並藉由表單來回傳資訊給</a:t>
+              <a:t>藉由表單來回傳資訊給</a:t>
             </a:r>
             <a:r>
               <a:rPr lang="en-US" altLang="zh-TW" dirty="0" smtClean="0"/>
@@ -39992,7 +39994,6 @@
               <a:rPr lang="en-US" altLang="zh-TW" dirty="0" smtClean="0"/>
               <a:t>AJAX</a:t>
             </a:r>
-            <a:endParaRPr lang="en-US" altLang="zh-TW" dirty="0" smtClean="0"/>
           </a:p>
           <a:p>
             <a:r>
@@ -40004,11 +40005,7 @@
           <a:p>
             <a:r>
               <a:rPr lang="zh-TW" altLang="en-US" dirty="0" smtClean="0"/>
-              <a:t>可以</a:t>
-            </a:r>
-            <a:r>
-              <a:rPr lang="zh-TW" altLang="en-US" dirty="0" smtClean="0"/>
-              <a:t>新增</a:t>
+              <a:t>可以新增</a:t>
             </a:r>
             <a:r>
               <a:rPr lang="en-US" altLang="zh-TW" dirty="0" smtClean="0"/>
@@ -41020,11 +41017,7 @@
             </a:r>
             <a:r>
               <a:rPr lang="zh-TW" altLang="en-US" dirty="0" smtClean="0"/>
-              <a:t>左鍵觸發</a:t>
-            </a:r>
-            <a:r>
-              <a:rPr lang="zh-TW" altLang="en-US" dirty="0" smtClean="0"/>
-              <a:t>。</a:t>
+              <a:t>左鍵觸發。</a:t>
             </a:r>
             <a:endParaRPr lang="en-US" altLang="zh-TW" dirty="0" smtClean="0"/>
           </a:p>
@@ -41804,6 +41797,93 @@
     <p:extLst>
       <p:ext uri="{BB962C8B-B14F-4D97-AF65-F5344CB8AC3E}">
         <p14:creationId xmlns:p14="http://schemas.microsoft.com/office/powerpoint/2010/main" val="2447320537"/>
+      </p:ext>
+    </p:extLst>
+  </p:cSld>
+  <p:clrMapOvr>
+    <a:masterClrMapping/>
+  </p:clrMapOvr>
+  <p:timing>
+    <p:tnLst>
+      <p:par>
+        <p:cTn id="1" dur="indefinite" restart="never" nodeType="tmRoot"/>
+      </p:par>
+    </p:tnLst>
+  </p:timing>
+</p:sld>
+</file>
+
+<file path=ppt/slides/slide83.xml><?xml version="1.0" encoding="utf-8"?>
+<p:sld xmlns:a="http://schemas.openxmlformats.org/drawingml/2006/main" xmlns:r="http://schemas.openxmlformats.org/officeDocument/2006/relationships" xmlns:p="http://schemas.openxmlformats.org/presentationml/2006/main">
+  <p:cSld>
+    <p:spTree>
+      <p:nvGrpSpPr>
+        <p:cNvPr id="1" name=""/>
+        <p:cNvGrpSpPr/>
+        <p:nvPr/>
+      </p:nvGrpSpPr>
+      <p:grpSpPr>
+        <a:xfrm>
+          <a:off x="0" y="0"/>
+          <a:ext cx="0" cy="0"/>
+          <a:chOff x="0" y="0"/>
+          <a:chExt cx="0" cy="0"/>
+        </a:xfrm>
+      </p:grpSpPr>
+      <p:sp>
+        <p:nvSpPr>
+          <p:cNvPr id="4" name="標題 3"/>
+          <p:cNvSpPr>
+            <a:spLocks noGrp="1"/>
+          </p:cNvSpPr>
+          <p:nvPr>
+            <p:ph type="title"/>
+          </p:nvPr>
+        </p:nvSpPr>
+        <p:spPr/>
+        <p:txBody>
+          <a:bodyPr/>
+          <a:lstStyle/>
+          <a:p>
+            <a:r>
+              <a:rPr lang="en-US" altLang="zh-TW" dirty="0" smtClean="0"/>
+              <a:t>jQuery</a:t>
+            </a:r>
+            <a:r>
+              <a:rPr lang="zh-TW" altLang="en-US" dirty="0" smtClean="0"/>
+              <a:t>教材</a:t>
+            </a:r>
+            <a:endParaRPr lang="zh-TW" altLang="en-US" dirty="0"/>
+          </a:p>
+        </p:txBody>
+      </p:sp>
+      <p:sp>
+        <p:nvSpPr>
+          <p:cNvPr id="5" name="內容版面配置區 4"/>
+          <p:cNvSpPr>
+            <a:spLocks noGrp="1"/>
+          </p:cNvSpPr>
+          <p:nvPr>
+            <p:ph idx="1"/>
+          </p:nvPr>
+        </p:nvSpPr>
+        <p:spPr/>
+        <p:txBody>
+          <a:bodyPr/>
+          <a:lstStyle/>
+          <a:p>
+            <a:r>
+              <a:rPr lang="en-US" altLang="zh-TW" dirty="0"/>
+              <a:t>https://www.youtube.com/watch?v=3ycso7P9rCw&amp;list=PL4PF5uRyx54KUcyLSgrVU28mjRcuXzvih</a:t>
+            </a:r>
+            <a:endParaRPr lang="zh-TW" altLang="en-US" dirty="0"/>
+          </a:p>
+        </p:txBody>
+      </p:sp>
+    </p:spTree>
+    <p:extLst>
+      <p:ext uri="{BB962C8B-B14F-4D97-AF65-F5344CB8AC3E}">
+        <p14:creationId xmlns:p14="http://schemas.microsoft.com/office/powerpoint/2010/main" val="2269986951"/>
       </p:ext>
     </p:extLst>
   </p:cSld>
